--- a/Idea-Presentation-Format-SIH2022-College.pptx
+++ b/Idea-Presentation-Format-SIH2022-College.pptx
@@ -17,26 +17,26 @@
   <p:notesSz cx="6858000" cy="9144000"/>
   <p:embeddedFontLst>
     <p:embeddedFont>
-      <p:font typeface="Calibri" panose="020F0502020204030204" pitchFamily="34" charset="0"/>
-      <p:regular r:id="rId7"/>
-      <p:bold r:id="rId8"/>
-      <p:italic r:id="rId9"/>
-      <p:boldItalic r:id="rId10"/>
+      <p:font typeface="Franklin Gothic" panose="020B0604020202020204" charset="0"/>
+      <p:bold r:id="rId7"/>
     </p:embeddedFont>
     <p:embeddedFont>
-      <p:font typeface="Franklin Gothic" panose="020B0604020202020204" charset="0"/>
-      <p:bold r:id="rId11"/>
+      <p:font typeface="Libre Franklin" panose="020B0604020202020204" charset="0"/>
+      <p:regular r:id="rId8"/>
+      <p:bold r:id="rId9"/>
+      <p:italic r:id="rId10"/>
+      <p:boldItalic r:id="rId11"/>
     </p:embeddedFont>
     <p:embeddedFont>
-      <p:font typeface="Libre Franklin" pitchFamily="2" charset="0"/>
+      <p:font typeface="Noto Sans Symbols" panose="020B0604020202020204" charset="0"/>
       <p:regular r:id="rId12"/>
-      <p:bold r:id="rId13"/>
-      <p:italic r:id="rId14"/>
-      <p:boldItalic r:id="rId15"/>
     </p:embeddedFont>
     <p:embeddedFont>
-      <p:font typeface="Noto Sans Symbols" pitchFamily="2" charset="0"/>
-      <p:regular r:id="rId16"/>
+      <p:font typeface="Calibri" panose="020F0502020204030204" pitchFamily="34" charset="0"/>
+      <p:regular r:id="rId13"/>
+      <p:bold r:id="rId14"/>
+      <p:italic r:id="rId15"/>
+      <p:boldItalic r:id="rId16"/>
     </p:embeddedFont>
   </p:embeddedFontLst>
   <p:defaultTextStyle>
@@ -273,7 +273,7 @@
       <p15:sldGuideLst xmlns:p15="http://schemas.microsoft.com/office/powerpoint/2012/main"/>
     </p:ext>
     <p:ext uri="http://customooxmlschemas.google.com/">
-      <go:slidesCustomData xmlns:go="http://customooxmlschemas.google.com/" xmlns:ahyp="http://schemas.microsoft.com/office/drawing/2018/hyperlinkcolor" xmlns:p15="http://schemas.microsoft.com/office/powerpoint/2012/main" xmlns:p14="http://schemas.microsoft.com/office/powerpoint/2010/main" xmlns:com="http://schemas.openxmlformats.org/drawingml/2006/compatibility" xmlns:pvml="urn:schemas-microsoft-com:office:powerpoint" xmlns:v="urn:schemas-microsoft-com:vml" xmlns:o="urn:schemas-microsoft-com:office:office" xmlns:dgm="http://schemas.openxmlformats.org/drawingml/2006/diagram" xmlns:c="http://schemas.openxmlformats.org/drawingml/2006/chart" xmlns:mv="urn:schemas-microsoft-com:mac:vml" xmlns:mc="http://schemas.openxmlformats.org/markup-compatibility/2006" xmlns="" r:id="rId17" roundtripDataSignature="AMtx7mi1sBDdHb2XsYteFNPHBFMUQvu/sQ=="/>
+      <go:slidesCustomData xmlns="" xmlns:mc="http://schemas.openxmlformats.org/markup-compatibility/2006" xmlns:mv="urn:schemas-microsoft-com:mac:vml" xmlns:c="http://schemas.openxmlformats.org/drawingml/2006/chart" xmlns:dgm="http://schemas.openxmlformats.org/drawingml/2006/diagram" xmlns:o="urn:schemas-microsoft-com:office:office" xmlns:v="urn:schemas-microsoft-com:vml" xmlns:pvml="urn:schemas-microsoft-com:office:powerpoint" xmlns:com="http://schemas.openxmlformats.org/drawingml/2006/compatibility" xmlns:p14="http://schemas.microsoft.com/office/powerpoint/2010/main" xmlns:p15="http://schemas.microsoft.com/office/powerpoint/2012/main" xmlns:ahyp="http://schemas.microsoft.com/office/drawing/2018/hyperlinkcolor" xmlns:go="http://customooxmlschemas.google.com/" r:id="rId17" roundtripDataSignature="AMtx7mi1sBDdHb2XsYteFNPHBFMUQvu/sQ=="/>
     </p:ext>
   </p:extLst>
 </p:presentation>
@@ -1238,6 +1238,11 @@
         </p:txBody>
       </p:sp>
     </p:spTree>
+    <p:extLst>
+      <p:ext uri="{BB962C8B-B14F-4D97-AF65-F5344CB8AC3E}">
+        <p14:creationId xmlns:p14="http://schemas.microsoft.com/office/powerpoint/2010/main" val="3467802914"/>
+      </p:ext>
+    </p:extLst>
   </p:cSld>
   <p:clrMap bg1="lt1" tx1="dk1" bg2="dk2" tx2="lt2" accent1="accent1" accent2="accent2" accent3="accent3" accent4="accent4" accent5="accent5" accent6="accent6" hlink="hlink" folHlink="folHlink"/>
   <p:notesStyle>
@@ -1569,6 +1574,11 @@
         </p:spPr>
       </p:sp>
     </p:spTree>
+    <p:extLst>
+      <p:ext uri="{BB962C8B-B14F-4D97-AF65-F5344CB8AC3E}">
+        <p14:creationId xmlns:p14="http://schemas.microsoft.com/office/powerpoint/2010/main" val="2560853385"/>
+      </p:ext>
+    </p:extLst>
   </p:cSld>
   <p:clrMapOvr>
     <a:masterClrMapping/>
@@ -1673,6 +1683,11 @@
         </p:spPr>
       </p:sp>
     </p:spTree>
+    <p:extLst>
+      <p:ext uri="{BB962C8B-B14F-4D97-AF65-F5344CB8AC3E}">
+        <p14:creationId xmlns:p14="http://schemas.microsoft.com/office/powerpoint/2010/main" val="3083225567"/>
+      </p:ext>
+    </p:extLst>
   </p:cSld>
   <p:clrMapOvr>
     <a:masterClrMapping/>
@@ -1777,6 +1792,11 @@
         </p:spPr>
       </p:sp>
     </p:spTree>
+    <p:extLst>
+      <p:ext uri="{BB962C8B-B14F-4D97-AF65-F5344CB8AC3E}">
+        <p14:creationId xmlns:p14="http://schemas.microsoft.com/office/powerpoint/2010/main" val="2561787085"/>
+      </p:ext>
+    </p:extLst>
   </p:cSld>
   <p:clrMapOvr>
     <a:masterClrMapping/>
@@ -1881,6 +1901,11 @@
         </p:spPr>
       </p:sp>
     </p:spTree>
+    <p:extLst>
+      <p:ext uri="{BB962C8B-B14F-4D97-AF65-F5344CB8AC3E}">
+        <p14:creationId xmlns:p14="http://schemas.microsoft.com/office/powerpoint/2010/main" val="1649608820"/>
+      </p:ext>
+    </p:extLst>
   </p:cSld>
   <p:clrMapOvr>
     <a:masterClrMapping/>
@@ -24458,6 +24483,15 @@
               <a:buSzPts val="1800"/>
               <a:buNone/>
             </a:pPr>
+            <a:r>
+              <a:rPr lang="en-US" dirty="0">
+                <a:latin typeface="Franklin Gothic"/>
+                <a:ea typeface="Franklin Gothic"/>
+                <a:cs typeface="Franklin Gothic"/>
+                <a:sym typeface="Franklin Gothic"/>
+              </a:rPr>
+              <a:t/>
+            </a:r>
             <a:br>
               <a:rPr lang="en-US" dirty="0">
                 <a:latin typeface="Franklin Gothic"/>
@@ -24514,6 +24548,15 @@
               <a:buSzPts val="1800"/>
               <a:buNone/>
             </a:pPr>
+            <a:r>
+              <a:rPr lang="en-US" dirty="0">
+                <a:latin typeface="Franklin Gothic"/>
+                <a:ea typeface="Franklin Gothic"/>
+                <a:cs typeface="Franklin Gothic"/>
+                <a:sym typeface="Franklin Gothic"/>
+              </a:rPr>
+              <a:t/>
+            </a:r>
             <a:br>
               <a:rPr lang="en-US" dirty="0">
                 <a:latin typeface="Franklin Gothic"/>
@@ -24582,6 +24625,15 @@
               <a:buSzPts val="1800"/>
               <a:buNone/>
             </a:pPr>
+            <a:r>
+              <a:rPr lang="en-US" dirty="0">
+                <a:latin typeface="Franklin Gothic"/>
+                <a:ea typeface="Franklin Gothic"/>
+                <a:cs typeface="Franklin Gothic"/>
+                <a:sym typeface="Franklin Gothic"/>
+              </a:rPr>
+              <a:t/>
+            </a:r>
             <a:br>
               <a:rPr lang="en-US" dirty="0">
                 <a:latin typeface="Franklin Gothic"/>
@@ -25018,7 +25070,7 @@
           <p:cNvPr id="3" name="Picture Placeholder 2">
             <a:extLst>
               <a:ext uri="{FF2B5EF4-FFF2-40B4-BE49-F238E27FC236}">
-                <a16:creationId xmlns:a16="http://schemas.microsoft.com/office/drawing/2014/main" id="{241B81F6-BB4A-47CD-B7E5-6BD2ACCF3D34}"/>
+                <a16:creationId xmlns:a16="http://schemas.microsoft.com/office/drawing/2014/main" xmlns="" id="{241B81F6-BB4A-47CD-B7E5-6BD2ACCF3D34}"/>
               </a:ext>
             </a:extLst>
           </p:cNvPr>
@@ -25058,7 +25110,7 @@
         </p:nvSpPr>
         <p:spPr>
           <a:xfrm>
-            <a:off x="7378575" y="3820783"/>
+            <a:off x="7378700" y="3787260"/>
             <a:ext cx="4572001" cy="2759088"/>
           </a:xfrm>
           <a:prstGeom prst="rect">
@@ -25467,8 +25519,32 @@
             </a:pPr>
             <a:r>
               <a:rPr lang="en-US" sz="2000" dirty="0"/>
-              <a:t>Blockchain and Healthcare to Enhance the Security and Control of Healthcare Transactions.</a:t>
+              <a:t>Blockchain and Healthcare to Enhance the Security and Control of Healthcare Transactions</a:t>
             </a:r>
+            <a:r>
+              <a:rPr lang="en-US" sz="2000" dirty="0" smtClean="0"/>
+              <a:t>.</a:t>
+            </a:r>
+          </a:p>
+          <a:p>
+            <a:pPr marL="285750" lvl="0" indent="-285750" algn="l" rtl="0">
+              <a:lnSpc>
+                <a:spcPct val="90000"/>
+              </a:lnSpc>
+              <a:spcBef>
+                <a:spcPts val="0"/>
+              </a:spcBef>
+              <a:spcAft>
+                <a:spcPts val="0"/>
+              </a:spcAft>
+              <a:buClr>
+                <a:schemeClr val="dk1"/>
+              </a:buClr>
+              <a:buSzPts val="1600"/>
+              <a:buFont typeface="Noto Sans Symbols"/>
+              <a:buChar char="⮚"/>
+            </a:pPr>
+            <a:endParaRPr lang="en-US" sz="2000" dirty="0"/>
           </a:p>
           <a:p>
             <a:pPr marL="285750" lvl="0" indent="-285750" algn="l" rtl="0">
@@ -25490,8 +25566,32 @@
             </a:pPr>
             <a:r>
               <a:rPr lang="en-US" sz="2000" dirty="0"/>
-              <a:t>Blockchain to Establish Proper Chain of Custody in Drug Shipments.</a:t>
+              <a:t>Blockchain to Establish Proper Chain of Custody in Drug Shipments</a:t>
             </a:r>
+            <a:r>
+              <a:rPr lang="en-US" sz="2000" dirty="0" smtClean="0"/>
+              <a:t>.</a:t>
+            </a:r>
+          </a:p>
+          <a:p>
+            <a:pPr marL="285750" lvl="0" indent="-285750" algn="l" rtl="0">
+              <a:lnSpc>
+                <a:spcPct val="90000"/>
+              </a:lnSpc>
+              <a:spcBef>
+                <a:spcPts val="0"/>
+              </a:spcBef>
+              <a:spcAft>
+                <a:spcPts val="0"/>
+              </a:spcAft>
+              <a:buClr>
+                <a:schemeClr val="dk1"/>
+              </a:buClr>
+              <a:buSzPts val="1600"/>
+              <a:buFont typeface="Noto Sans Symbols"/>
+              <a:buChar char="⮚"/>
+            </a:pPr>
+            <a:endParaRPr lang="en-US" sz="2000" dirty="0"/>
           </a:p>
           <a:p>
             <a:pPr marL="285750" lvl="0" indent="-285750" algn="l" rtl="0">
@@ -25513,8 +25613,32 @@
             </a:pPr>
             <a:r>
               <a:rPr lang="en-US" sz="2000" dirty="0"/>
-              <a:t>Patient-centric electronic health records.</a:t>
+              <a:t>Patient-centric electronic health records</a:t>
             </a:r>
+            <a:r>
+              <a:rPr lang="en-US" sz="2000" dirty="0" smtClean="0"/>
+              <a:t>.</a:t>
+            </a:r>
+          </a:p>
+          <a:p>
+            <a:pPr marL="285750" lvl="0" indent="-285750" algn="l" rtl="0">
+              <a:lnSpc>
+                <a:spcPct val="90000"/>
+              </a:lnSpc>
+              <a:spcBef>
+                <a:spcPts val="0"/>
+              </a:spcBef>
+              <a:spcAft>
+                <a:spcPts val="0"/>
+              </a:spcAft>
+              <a:buClr>
+                <a:schemeClr val="dk1"/>
+              </a:buClr>
+              <a:buSzPts val="1600"/>
+              <a:buFont typeface="Noto Sans Symbols"/>
+              <a:buChar char="⮚"/>
+            </a:pPr>
+            <a:endParaRPr lang="en-US" sz="2000" dirty="0"/>
           </a:p>
           <a:p>
             <a:pPr marL="285750" lvl="0" indent="-285750" algn="l" rtl="0">
@@ -26057,7 +26181,25 @@
                 </a:solidFill>
                 <a:latin typeface="Libre Franklin" pitchFamily="2" charset="0"/>
               </a:rPr>
-              <a:t>Team Member 2 Name: Rohit</a:t>
+              <a:t>Team Member 2 Name: </a:t>
+            </a:r>
+            <a:r>
+              <a:rPr lang="en-US" sz="1200" b="1" dirty="0" err="1" smtClean="0">
+                <a:solidFill>
+                  <a:srgbClr val="5D7C3F"/>
+                </a:solidFill>
+                <a:latin typeface="Libre Franklin" pitchFamily="2" charset="0"/>
+              </a:rPr>
+              <a:t>Rohit</a:t>
+            </a:r>
+            <a:r>
+              <a:rPr lang="en-US" sz="1200" b="1" dirty="0" smtClean="0">
+                <a:solidFill>
+                  <a:srgbClr val="5D7C3F"/>
+                </a:solidFill>
+                <a:latin typeface="Libre Franklin" pitchFamily="2" charset="0"/>
+              </a:rPr>
+              <a:t> Sharma</a:t>
             </a:r>
             <a:endParaRPr dirty="0">
               <a:latin typeface="Libre Franklin" pitchFamily="2" charset="0"/>
@@ -26237,7 +26379,16 @@
                 </a:solidFill>
                 <a:latin typeface="Libre Franklin" pitchFamily="2" charset="0"/>
               </a:rPr>
-              <a:t>Team Member 4 Name: Pushkin</a:t>
+              <a:t>Team Member 4 Name: </a:t>
+            </a:r>
+            <a:r>
+              <a:rPr lang="en-US" sz="1200" b="1" dirty="0" smtClean="0">
+                <a:solidFill>
+                  <a:srgbClr val="5D7C3F"/>
+                </a:solidFill>
+                <a:latin typeface="Libre Franklin" pitchFamily="2" charset="0"/>
+              </a:rPr>
+              <a:t>Pushkin Sharma</a:t>
             </a:r>
             <a:endParaRPr lang="en-US" dirty="0">
               <a:latin typeface="Libre Franklin" pitchFamily="2" charset="0"/>
@@ -26321,13 +26472,31 @@
               <a:t>Team Member 5 Name:  </a:t>
             </a:r>
             <a:r>
-              <a:rPr lang="en-US" sz="1200" b="1" dirty="0" err="1">
+              <a:rPr lang="en-US" sz="1200" b="1" dirty="0" err="1" smtClean="0">
                 <a:solidFill>
                   <a:srgbClr val="5D7C3F"/>
                 </a:solidFill>
                 <a:latin typeface="Libre Franklin" pitchFamily="2" charset="0"/>
               </a:rPr>
               <a:t>Devansh</a:t>
+            </a:r>
+            <a:r>
+              <a:rPr lang="en-US" sz="1200" b="1" dirty="0" smtClean="0">
+                <a:solidFill>
+                  <a:srgbClr val="5D7C3F"/>
+                </a:solidFill>
+                <a:latin typeface="Libre Franklin" pitchFamily="2" charset="0"/>
+              </a:rPr>
+              <a:t> </a:t>
+            </a:r>
+            <a:r>
+              <a:rPr lang="en-US" sz="1200" b="1" smtClean="0">
+                <a:solidFill>
+                  <a:srgbClr val="5D7C3F"/>
+                </a:solidFill>
+                <a:latin typeface="Libre Franklin" pitchFamily="2" charset="0"/>
+              </a:rPr>
+              <a:t>Khandelwal</a:t>
             </a:r>
             <a:endParaRPr dirty="0">
               <a:latin typeface="Libre Franklin" pitchFamily="2" charset="0"/>
